--- a/3DLv2_2023_vs2019_Game/Plan/超開王企画書.pptx
+++ b/3DLv2_2023_vs2019_Game/Plan/超開王企画書.pptx
@@ -264,7 +264,7 @@
           <a:p>
             <a:fld id="{78D5D3E3-4E9A-47BC-9788-F490A4A1AE4B}" type="datetimeFigureOut">
               <a:rPr kumimoji="1" lang="ja-JP" altLang="en-US" smtClean="0"/>
-              <a:t>2023/4/12</a:t>
+              <a:t>2023/4/18</a:t>
             </a:fld>
             <a:endParaRPr kumimoji="1" lang="ja-JP" altLang="en-US"/>
           </a:p>
@@ -494,7 +494,7 @@
           <a:p>
             <a:fld id="{78D5D3E3-4E9A-47BC-9788-F490A4A1AE4B}" type="datetimeFigureOut">
               <a:rPr kumimoji="1" lang="ja-JP" altLang="en-US" smtClean="0"/>
-              <a:t>2023/4/12</a:t>
+              <a:t>2023/4/18</a:t>
             </a:fld>
             <a:endParaRPr kumimoji="1" lang="ja-JP" altLang="en-US"/>
           </a:p>
@@ -734,7 +734,7 @@
           <a:p>
             <a:fld id="{78D5D3E3-4E9A-47BC-9788-F490A4A1AE4B}" type="datetimeFigureOut">
               <a:rPr kumimoji="1" lang="ja-JP" altLang="en-US" smtClean="0"/>
-              <a:t>2023/4/12</a:t>
+              <a:t>2023/4/18</a:t>
             </a:fld>
             <a:endParaRPr kumimoji="1" lang="ja-JP" altLang="en-US"/>
           </a:p>
@@ -964,7 +964,7 @@
           <a:p>
             <a:fld id="{78D5D3E3-4E9A-47BC-9788-F490A4A1AE4B}" type="datetimeFigureOut">
               <a:rPr kumimoji="1" lang="ja-JP" altLang="en-US" smtClean="0"/>
-              <a:t>2023/4/12</a:t>
+              <a:t>2023/4/18</a:t>
             </a:fld>
             <a:endParaRPr kumimoji="1" lang="ja-JP" altLang="en-US"/>
           </a:p>
@@ -1239,7 +1239,7 @@
           <a:p>
             <a:fld id="{78D5D3E3-4E9A-47BC-9788-F490A4A1AE4B}" type="datetimeFigureOut">
               <a:rPr kumimoji="1" lang="ja-JP" altLang="en-US" smtClean="0"/>
-              <a:t>2023/4/12</a:t>
+              <a:t>2023/4/18</a:t>
             </a:fld>
             <a:endParaRPr kumimoji="1" lang="ja-JP" altLang="en-US"/>
           </a:p>
@@ -1568,7 +1568,7 @@
           <a:p>
             <a:fld id="{78D5D3E3-4E9A-47BC-9788-F490A4A1AE4B}" type="datetimeFigureOut">
               <a:rPr kumimoji="1" lang="ja-JP" altLang="en-US" smtClean="0"/>
-              <a:t>2023/4/12</a:t>
+              <a:t>2023/4/18</a:t>
             </a:fld>
             <a:endParaRPr kumimoji="1" lang="ja-JP" altLang="en-US"/>
           </a:p>
@@ -2044,7 +2044,7 @@
           <a:p>
             <a:fld id="{78D5D3E3-4E9A-47BC-9788-F490A4A1AE4B}" type="datetimeFigureOut">
               <a:rPr kumimoji="1" lang="ja-JP" altLang="en-US" smtClean="0"/>
-              <a:t>2023/4/12</a:t>
+              <a:t>2023/4/18</a:t>
             </a:fld>
             <a:endParaRPr kumimoji="1" lang="ja-JP" altLang="en-US"/>
           </a:p>
@@ -2185,7 +2185,7 @@
           <a:p>
             <a:fld id="{78D5D3E3-4E9A-47BC-9788-F490A4A1AE4B}" type="datetimeFigureOut">
               <a:rPr kumimoji="1" lang="ja-JP" altLang="en-US" smtClean="0"/>
-              <a:t>2023/4/12</a:t>
+              <a:t>2023/4/18</a:t>
             </a:fld>
             <a:endParaRPr kumimoji="1" lang="ja-JP" altLang="en-US"/>
           </a:p>
@@ -2298,7 +2298,7 @@
           <a:p>
             <a:fld id="{78D5D3E3-4E9A-47BC-9788-F490A4A1AE4B}" type="datetimeFigureOut">
               <a:rPr kumimoji="1" lang="ja-JP" altLang="en-US" smtClean="0"/>
-              <a:t>2023/4/12</a:t>
+              <a:t>2023/4/18</a:t>
             </a:fld>
             <a:endParaRPr kumimoji="1" lang="ja-JP" altLang="en-US"/>
           </a:p>
@@ -2641,7 +2641,7 @@
           <a:p>
             <a:fld id="{78D5D3E3-4E9A-47BC-9788-F490A4A1AE4B}" type="datetimeFigureOut">
               <a:rPr kumimoji="1" lang="ja-JP" altLang="en-US" smtClean="0"/>
-              <a:t>2023/4/12</a:t>
+              <a:t>2023/4/18</a:t>
             </a:fld>
             <a:endParaRPr kumimoji="1" lang="ja-JP" altLang="en-US"/>
           </a:p>
@@ -2929,7 +2929,7 @@
           <a:p>
             <a:fld id="{78D5D3E3-4E9A-47BC-9788-F490A4A1AE4B}" type="datetimeFigureOut">
               <a:rPr kumimoji="1" lang="ja-JP" altLang="en-US" smtClean="0"/>
-              <a:t>2023/4/12</a:t>
+              <a:t>2023/4/18</a:t>
             </a:fld>
             <a:endParaRPr kumimoji="1" lang="ja-JP" altLang="en-US"/>
           </a:p>
@@ -3202,7 +3202,7 @@
           <a:p>
             <a:fld id="{78D5D3E3-4E9A-47BC-9788-F490A4A1AE4B}" type="datetimeFigureOut">
               <a:rPr kumimoji="1" lang="ja-JP" altLang="en-US" smtClean="0"/>
-              <a:t>2023/4/12</a:t>
+              <a:t>2023/4/18</a:t>
             </a:fld>
             <a:endParaRPr kumimoji="1" lang="ja-JP" altLang="en-US"/>
           </a:p>
@@ -4127,7 +4127,7 @@
             <p:ph idx="1"/>
             <p:extLst>
               <p:ext uri="{D42A27DB-BD31-4B8C-83A1-F6EECF244321}">
-                <p14:modId xmlns:p14="http://schemas.microsoft.com/office/powerpoint/2010/main" val="1342497965"/>
+                <p14:modId xmlns:p14="http://schemas.microsoft.com/office/powerpoint/2010/main" val="3219919759"/>
               </p:ext>
             </p:extLst>
           </p:nvPr>
@@ -4243,7 +4243,7 @@
                     <a:p>
                       <a:r>
                         <a:rPr kumimoji="1" lang="ja-JP" altLang="en-US" dirty="0"/>
-                        <a:t>上下左右</a:t>
+                        <a:t>視点移動</a:t>
                       </a:r>
                     </a:p>
                   </a:txBody>

--- a/3DLv2_2023_vs2019_Game/Plan/超開王企画書.pptx
+++ b/3DLv2_2023_vs2019_Game/Plan/超開王企画書.pptx
@@ -264,7 +264,7 @@
           <a:p>
             <a:fld id="{78D5D3E3-4E9A-47BC-9788-F490A4A1AE4B}" type="datetimeFigureOut">
               <a:rPr kumimoji="1" lang="ja-JP" altLang="en-US" smtClean="0"/>
-              <a:t>2023/4/18</a:t>
+              <a:t>2023/7/27</a:t>
             </a:fld>
             <a:endParaRPr kumimoji="1" lang="ja-JP" altLang="en-US"/>
           </a:p>
@@ -494,7 +494,7 @@
           <a:p>
             <a:fld id="{78D5D3E3-4E9A-47BC-9788-F490A4A1AE4B}" type="datetimeFigureOut">
               <a:rPr kumimoji="1" lang="ja-JP" altLang="en-US" smtClean="0"/>
-              <a:t>2023/4/18</a:t>
+              <a:t>2023/7/27</a:t>
             </a:fld>
             <a:endParaRPr kumimoji="1" lang="ja-JP" altLang="en-US"/>
           </a:p>
@@ -734,7 +734,7 @@
           <a:p>
             <a:fld id="{78D5D3E3-4E9A-47BC-9788-F490A4A1AE4B}" type="datetimeFigureOut">
               <a:rPr kumimoji="1" lang="ja-JP" altLang="en-US" smtClean="0"/>
-              <a:t>2023/4/18</a:t>
+              <a:t>2023/7/27</a:t>
             </a:fld>
             <a:endParaRPr kumimoji="1" lang="ja-JP" altLang="en-US"/>
           </a:p>
@@ -964,7 +964,7 @@
           <a:p>
             <a:fld id="{78D5D3E3-4E9A-47BC-9788-F490A4A1AE4B}" type="datetimeFigureOut">
               <a:rPr kumimoji="1" lang="ja-JP" altLang="en-US" smtClean="0"/>
-              <a:t>2023/4/18</a:t>
+              <a:t>2023/7/27</a:t>
             </a:fld>
             <a:endParaRPr kumimoji="1" lang="ja-JP" altLang="en-US"/>
           </a:p>
@@ -1239,7 +1239,7 @@
           <a:p>
             <a:fld id="{78D5D3E3-4E9A-47BC-9788-F490A4A1AE4B}" type="datetimeFigureOut">
               <a:rPr kumimoji="1" lang="ja-JP" altLang="en-US" smtClean="0"/>
-              <a:t>2023/4/18</a:t>
+              <a:t>2023/7/27</a:t>
             </a:fld>
             <a:endParaRPr kumimoji="1" lang="ja-JP" altLang="en-US"/>
           </a:p>
@@ -1568,7 +1568,7 @@
           <a:p>
             <a:fld id="{78D5D3E3-4E9A-47BC-9788-F490A4A1AE4B}" type="datetimeFigureOut">
               <a:rPr kumimoji="1" lang="ja-JP" altLang="en-US" smtClean="0"/>
-              <a:t>2023/4/18</a:t>
+              <a:t>2023/7/27</a:t>
             </a:fld>
             <a:endParaRPr kumimoji="1" lang="ja-JP" altLang="en-US"/>
           </a:p>
@@ -2044,7 +2044,7 @@
           <a:p>
             <a:fld id="{78D5D3E3-4E9A-47BC-9788-F490A4A1AE4B}" type="datetimeFigureOut">
               <a:rPr kumimoji="1" lang="ja-JP" altLang="en-US" smtClean="0"/>
-              <a:t>2023/4/18</a:t>
+              <a:t>2023/7/27</a:t>
             </a:fld>
             <a:endParaRPr kumimoji="1" lang="ja-JP" altLang="en-US"/>
           </a:p>
@@ -2185,7 +2185,7 @@
           <a:p>
             <a:fld id="{78D5D3E3-4E9A-47BC-9788-F490A4A1AE4B}" type="datetimeFigureOut">
               <a:rPr kumimoji="1" lang="ja-JP" altLang="en-US" smtClean="0"/>
-              <a:t>2023/4/18</a:t>
+              <a:t>2023/7/27</a:t>
             </a:fld>
             <a:endParaRPr kumimoji="1" lang="ja-JP" altLang="en-US"/>
           </a:p>
@@ -2298,7 +2298,7 @@
           <a:p>
             <a:fld id="{78D5D3E3-4E9A-47BC-9788-F490A4A1AE4B}" type="datetimeFigureOut">
               <a:rPr kumimoji="1" lang="ja-JP" altLang="en-US" smtClean="0"/>
-              <a:t>2023/4/18</a:t>
+              <a:t>2023/7/27</a:t>
             </a:fld>
             <a:endParaRPr kumimoji="1" lang="ja-JP" altLang="en-US"/>
           </a:p>
@@ -2641,7 +2641,7 @@
           <a:p>
             <a:fld id="{78D5D3E3-4E9A-47BC-9788-F490A4A1AE4B}" type="datetimeFigureOut">
               <a:rPr kumimoji="1" lang="ja-JP" altLang="en-US" smtClean="0"/>
-              <a:t>2023/4/18</a:t>
+              <a:t>2023/7/27</a:t>
             </a:fld>
             <a:endParaRPr kumimoji="1" lang="ja-JP" altLang="en-US"/>
           </a:p>
@@ -2929,7 +2929,7 @@
           <a:p>
             <a:fld id="{78D5D3E3-4E9A-47BC-9788-F490A4A1AE4B}" type="datetimeFigureOut">
               <a:rPr kumimoji="1" lang="ja-JP" altLang="en-US" smtClean="0"/>
-              <a:t>2023/4/18</a:t>
+              <a:t>2023/7/27</a:t>
             </a:fld>
             <a:endParaRPr kumimoji="1" lang="ja-JP" altLang="en-US"/>
           </a:p>
@@ -3202,7 +3202,7 @@
           <a:p>
             <a:fld id="{78D5D3E3-4E9A-47BC-9788-F490A4A1AE4B}" type="datetimeFigureOut">
               <a:rPr kumimoji="1" lang="ja-JP" altLang="en-US" smtClean="0"/>
-              <a:t>2023/4/18</a:t>
+              <a:t>2023/7/27</a:t>
             </a:fld>
             <a:endParaRPr kumimoji="1" lang="ja-JP" altLang="en-US"/>
           </a:p>
@@ -3883,10 +3883,10 @@
       </p:grpSpPr>
       <p:pic>
         <p:nvPicPr>
-          <p:cNvPr id="15" name="図 14">
-            <a:extLst>
-              <a:ext uri="{FF2B5EF4-FFF2-40B4-BE49-F238E27FC236}">
-                <a16:creationId xmlns:a16="http://schemas.microsoft.com/office/drawing/2014/main" id="{01885F29-EF78-47C3-95F7-D0E74DEA12FC}"/>
+          <p:cNvPr id="3" name="図 2">
+            <a:extLst>
+              <a:ext uri="{FF2B5EF4-FFF2-40B4-BE49-F238E27FC236}">
+                <a16:creationId xmlns:a16="http://schemas.microsoft.com/office/drawing/2014/main" id="{CFDE4BC7-54DD-4BFA-A5B8-9CC1FBDFF1DE}"/>
               </a:ext>
             </a:extLst>
           </p:cNvPr>
@@ -3909,8 +3909,80 @@
         </p:blipFill>
         <p:spPr>
           <a:xfrm>
-            <a:off x="1329781" y="834439"/>
-            <a:ext cx="9532438" cy="5189121"/>
+            <a:off x="445738" y="159629"/>
+            <a:ext cx="4890890" cy="3731706"/>
+          </a:xfrm>
+          <a:prstGeom prst="rect">
+            <a:avLst/>
+          </a:prstGeom>
+        </p:spPr>
+      </p:pic>
+      <p:pic>
+        <p:nvPicPr>
+          <p:cNvPr id="6" name="図 5">
+            <a:extLst>
+              <a:ext uri="{FF2B5EF4-FFF2-40B4-BE49-F238E27FC236}">
+                <a16:creationId xmlns:a16="http://schemas.microsoft.com/office/drawing/2014/main" id="{207624FA-6255-4CB0-9FE7-D88CBBC94E3C}"/>
+              </a:ext>
+            </a:extLst>
+          </p:cNvPr>
+          <p:cNvPicPr>
+            <a:picLocks noChangeAspect="1"/>
+          </p:cNvPicPr>
+          <p:nvPr/>
+        </p:nvPicPr>
+        <p:blipFill>
+          <a:blip r:embed="rId3">
+            <a:extLst>
+              <a:ext uri="{28A0092B-C50C-407E-A947-70E740481C1C}">
+                <a14:useLocalDpi xmlns:a14="http://schemas.microsoft.com/office/drawing/2010/main" val="0"/>
+              </a:ext>
+            </a:extLst>
+          </a:blip>
+          <a:stretch>
+            <a:fillRect/>
+          </a:stretch>
+        </p:blipFill>
+        <p:spPr>
+          <a:xfrm>
+            <a:off x="7290170" y="449317"/>
+            <a:ext cx="4580805" cy="4441935"/>
+          </a:xfrm>
+          <a:prstGeom prst="rect">
+            <a:avLst/>
+          </a:prstGeom>
+        </p:spPr>
+      </p:pic>
+      <p:pic>
+        <p:nvPicPr>
+          <p:cNvPr id="8" name="図 7">
+            <a:extLst>
+              <a:ext uri="{FF2B5EF4-FFF2-40B4-BE49-F238E27FC236}">
+                <a16:creationId xmlns:a16="http://schemas.microsoft.com/office/drawing/2014/main" id="{16A1666B-61A8-4FA5-9412-D3C7A6A2E201}"/>
+              </a:ext>
+            </a:extLst>
+          </p:cNvPr>
+          <p:cNvPicPr>
+            <a:picLocks noChangeAspect="1"/>
+          </p:cNvPicPr>
+          <p:nvPr/>
+        </p:nvPicPr>
+        <p:blipFill>
+          <a:blip r:embed="rId4">
+            <a:extLst>
+              <a:ext uri="{28A0092B-C50C-407E-A947-70E740481C1C}">
+                <a14:useLocalDpi xmlns:a14="http://schemas.microsoft.com/office/drawing/2010/main" val="0"/>
+              </a:ext>
+            </a:extLst>
+          </a:blip>
+          <a:stretch>
+            <a:fillRect/>
+          </a:stretch>
+        </p:blipFill>
+        <p:spPr>
+          <a:xfrm>
+            <a:off x="1073172" y="3957145"/>
+            <a:ext cx="5985838" cy="2597991"/>
           </a:xfrm>
           <a:prstGeom prst="rect">
             <a:avLst/>
@@ -4032,50 +4104,20 @@
               <a:rPr kumimoji="1" lang="ja-JP" altLang="en-US" dirty="0"/>
               <a:t>ステージとなる。</a:t>
             </a:r>
-            <a:r>
-              <a:rPr lang="ja-JP" altLang="en-US" dirty="0"/>
-              <a:t>（この部分に力を入れて独自性を出したい。）</a:t>
-            </a:r>
-            <a:endParaRPr lang="en-US" altLang="ja-JP" dirty="0"/>
+            <a:endParaRPr kumimoji="1" lang="en-US" altLang="ja-JP" dirty="0"/>
           </a:p>
           <a:p>
             <a:r>
               <a:rPr kumimoji="1" lang="ja-JP" altLang="en-US" dirty="0"/>
-              <a:t>制限時間あり。クリア時にクリア時間を表示させたり、歴代</a:t>
+              <a:t>クリア時に</a:t>
             </a:r>
             <a:r>
               <a:rPr kumimoji="1" lang="en-US" altLang="ja-JP" dirty="0"/>
-              <a:t>TOP</a:t>
+              <a:t>SCORE</a:t>
             </a:r>
             <a:r>
               <a:rPr kumimoji="1" lang="ja-JP" altLang="en-US" dirty="0"/>
-              <a:t>３までの記録も出したい。</a:t>
-            </a:r>
-            <a:endParaRPr kumimoji="1" lang="en-US" altLang="ja-JP" dirty="0"/>
-          </a:p>
-          <a:p>
-            <a:r>
-              <a:rPr kumimoji="1" lang="en-US" altLang="ja-JP" dirty="0"/>
-              <a:t>HP</a:t>
-            </a:r>
-            <a:r>
-              <a:rPr kumimoji="1" lang="ja-JP" altLang="en-US" dirty="0"/>
-              <a:t>を作るかは未定。障害物から強い衝撃を受けたり、落ちたりしたら</a:t>
-            </a:r>
-            <a:r>
-              <a:rPr kumimoji="1" lang="en-US" altLang="ja-JP" dirty="0"/>
-              <a:t>HP</a:t>
-            </a:r>
-            <a:r>
-              <a:rPr kumimoji="1" lang="ja-JP" altLang="en-US" dirty="0"/>
-              <a:t>が減る、もしくは怯ませてタイムロスにさせる。</a:t>
-            </a:r>
-            <a:endParaRPr kumimoji="1" lang="en-US" altLang="ja-JP" dirty="0"/>
-          </a:p>
-          <a:p>
-            <a:r>
-              <a:rPr lang="ja-JP" altLang="en-US" dirty="0"/>
-              <a:t>一応１種類あたりのステージ構成はシンプルにしておく。</a:t>
+              <a:t>が表示される。</a:t>
             </a:r>
             <a:endParaRPr kumimoji="1" lang="en-US" altLang="ja-JP" dirty="0"/>
           </a:p>
@@ -4127,14 +4169,14 @@
             <p:ph idx="1"/>
             <p:extLst>
               <p:ext uri="{D42A27DB-BD31-4B8C-83A1-F6EECF244321}">
-                <p14:modId xmlns:p14="http://schemas.microsoft.com/office/powerpoint/2010/main" val="3219919759"/>
+                <p14:modId xmlns:p14="http://schemas.microsoft.com/office/powerpoint/2010/main" val="3394460453"/>
               </p:ext>
             </p:extLst>
           </p:nvPr>
         </p:nvGraphicFramePr>
         <p:xfrm>
           <a:off x="838199" y="268014"/>
-          <a:ext cx="10544504" cy="5737813"/>
+          <a:ext cx="10544504" cy="4773010"/>
         </p:xfrm>
         <a:graphic>
           <a:graphicData uri="http://schemas.openxmlformats.org/drawingml/2006/table">
@@ -4324,81 +4366,6 @@
                   </a:ext>
                 </a:extLst>
               </a:tr>
-              <a:tr h="964803">
-                <a:tc>
-                  <a:txBody>
-                    <a:bodyPr/>
-                    <a:lstStyle/>
-                    <a:p>
-                      <a:pPr marL="0" marR="0" lvl="0" indent="0" algn="l" defTabSz="914400" rtl="0" eaLnBrk="1" fontAlgn="auto" latinLnBrk="0" hangingPunct="1">
-                        <a:lnSpc>
-                          <a:spcPct val="100000"/>
-                        </a:lnSpc>
-                        <a:spcBef>
-                          <a:spcPts val="0"/>
-                        </a:spcBef>
-                        <a:spcAft>
-                          <a:spcPts val="0"/>
-                        </a:spcAft>
-                        <a:buClrTx/>
-                        <a:buSzTx/>
-                        <a:buFontTx/>
-                        <a:buNone/>
-                        <a:tabLst/>
-                        <a:defRPr/>
-                      </a:pPr>
-                      <a:r>
-                        <a:rPr kumimoji="1" lang="en-US" altLang="ja-JP" dirty="0"/>
-                        <a:t>ESC</a:t>
-                      </a:r>
-                      <a:endParaRPr kumimoji="1" lang="ja-JP" altLang="en-US" dirty="0"/>
-                    </a:p>
-                    <a:p>
-                      <a:pPr marL="0" marR="0" lvl="0" indent="0" algn="l" defTabSz="914400" rtl="0" eaLnBrk="1" fontAlgn="auto" latinLnBrk="0" hangingPunct="1">
-                        <a:lnSpc>
-                          <a:spcPct val="100000"/>
-                        </a:lnSpc>
-                        <a:spcBef>
-                          <a:spcPts val="0"/>
-                        </a:spcBef>
-                        <a:spcAft>
-                          <a:spcPts val="0"/>
-                        </a:spcAft>
-                        <a:buClrTx/>
-                        <a:buSzTx/>
-                        <a:buFontTx/>
-                        <a:buNone/>
-                        <a:tabLst/>
-                        <a:defRPr/>
-                      </a:pPr>
-                      <a:endParaRPr kumimoji="1" lang="ja-JP" altLang="en-US" dirty="0"/>
-                    </a:p>
-                    <a:p>
-                      <a:endParaRPr kumimoji="1" lang="ja-JP" altLang="en-US" b="1" dirty="0"/>
-                    </a:p>
-                  </a:txBody>
-                  <a:tcPr/>
-                </a:tc>
-                <a:tc>
-                  <a:txBody>
-                    <a:bodyPr/>
-                    <a:lstStyle/>
-                    <a:p>
-                      <a:r>
-                        <a:rPr kumimoji="1" lang="en-US" altLang="ja-JP" dirty="0"/>
-                        <a:t>EXIT</a:t>
-                      </a:r>
-                      <a:endParaRPr kumimoji="1" lang="ja-JP" altLang="en-US" dirty="0"/>
-                    </a:p>
-                  </a:txBody>
-                  <a:tcPr/>
-                </a:tc>
-                <a:extLst>
-                  <a:ext uri="{0D108BD9-81ED-4DB2-BD59-A6C34878D82A}">
-                    <a16:rowId xmlns:a16="http://schemas.microsoft.com/office/drawing/2014/main" val="1054726927"/>
-                  </a:ext>
-                </a:extLst>
-              </a:tr>
             </a:tbl>
           </a:graphicData>
         </a:graphic>
@@ -4462,130 +4429,6 @@
             <a:pPr marL="0" indent="0">
               <a:buNone/>
             </a:pPr>
-            <a:r>
-              <a:rPr lang="ja-JP" altLang="en-US" dirty="0"/>
-              <a:t>作成ステージ候補</a:t>
-            </a:r>
-            <a:endParaRPr lang="en-US" altLang="ja-JP" dirty="0"/>
-          </a:p>
-          <a:p>
-            <a:pPr marL="0" indent="0">
-              <a:buNone/>
-            </a:pPr>
-            <a:r>
-              <a:rPr kumimoji="1" lang="ja-JP" altLang="en-US" dirty="0"/>
-              <a:t>・宙にぶら下がっている左右に動く鉄球やハンマーを避ける</a:t>
-            </a:r>
-            <a:endParaRPr kumimoji="1" lang="en-US" altLang="ja-JP" dirty="0"/>
-          </a:p>
-          <a:p>
-            <a:pPr marL="0" indent="0">
-              <a:buNone/>
-            </a:pPr>
-            <a:r>
-              <a:rPr lang="ja-JP" altLang="en-US" dirty="0"/>
-              <a:t>・虫食いみたいに穴がぽつぽつ開いてる１本道</a:t>
-            </a:r>
-            <a:endParaRPr lang="en-US" altLang="ja-JP" dirty="0"/>
-          </a:p>
-          <a:p>
-            <a:pPr marL="0" indent="0">
-              <a:buNone/>
-            </a:pPr>
-            <a:r>
-              <a:rPr kumimoji="1" lang="ja-JP" altLang="en-US" dirty="0"/>
-              <a:t>・空中を移動する土台を乗り換えながら渡る</a:t>
-            </a:r>
-            <a:endParaRPr kumimoji="1" lang="en-US" altLang="ja-JP" dirty="0"/>
-          </a:p>
-          <a:p>
-            <a:pPr marL="0" indent="0">
-              <a:buNone/>
-            </a:pPr>
-            <a:r>
-              <a:rPr lang="ja-JP" altLang="en-US" dirty="0"/>
-              <a:t>・目の前から１部分だけ空いている壁が複数迫ってくる道</a:t>
-            </a:r>
-            <a:endParaRPr lang="en-US" altLang="ja-JP" dirty="0"/>
-          </a:p>
-          <a:p>
-            <a:pPr marL="0" indent="0">
-              <a:buNone/>
-            </a:pPr>
-            <a:r>
-              <a:rPr kumimoji="1" lang="ja-JP" altLang="en-US" dirty="0"/>
-              <a:t>・ダッシュボードがちりばめられた少し長い道</a:t>
-            </a:r>
-            <a:endParaRPr kumimoji="1" lang="en-US" altLang="ja-JP" dirty="0"/>
-          </a:p>
-          <a:p>
-            <a:pPr marL="0" indent="0">
-              <a:buNone/>
-            </a:pPr>
-            <a:r>
-              <a:rPr lang="ja-JP" altLang="en-US" dirty="0"/>
-              <a:t>・常にかなり跳ねる道で障害物を避ける</a:t>
-            </a:r>
-            <a:endParaRPr lang="en-US" altLang="ja-JP" dirty="0"/>
-          </a:p>
-          <a:p>
-            <a:pPr marL="0" indent="0">
-              <a:buNone/>
-            </a:pPr>
-            <a:r>
-              <a:rPr kumimoji="1" lang="ja-JP" altLang="en-US" dirty="0"/>
-              <a:t>・高さの違うブロックを並べてのぼる道</a:t>
-            </a:r>
-            <a:endParaRPr kumimoji="1" lang="en-US" altLang="ja-JP" dirty="0"/>
-          </a:p>
-          <a:p>
-            <a:pPr marL="0" indent="0">
-              <a:buNone/>
-            </a:pPr>
-            <a:r>
-              <a:rPr lang="ja-JP" altLang="en-US" dirty="0"/>
-              <a:t>・間違い探し＆鬼ごっこ</a:t>
-            </a:r>
-            <a:endParaRPr lang="en-US" altLang="ja-JP" dirty="0"/>
-          </a:p>
-          <a:p>
-            <a:pPr marL="0" indent="0">
-              <a:buNone/>
-            </a:pPr>
-            <a:r>
-              <a:rPr kumimoji="1" lang="ja-JP" altLang="en-US" dirty="0"/>
-              <a:t>・とても細く曲がり角とかある道</a:t>
-            </a:r>
-            <a:endParaRPr kumimoji="1" lang="en-US" altLang="ja-JP" dirty="0"/>
-          </a:p>
-          <a:p>
-            <a:pPr marL="0" indent="0">
-              <a:buNone/>
-            </a:pPr>
-            <a:r>
-              <a:rPr kumimoji="1" lang="ja-JP" altLang="en-US" dirty="0"/>
-              <a:t>・左右から巨大な玉が転がってくる道</a:t>
-            </a:r>
-            <a:endParaRPr kumimoji="1" lang="en-US" altLang="ja-JP" dirty="0"/>
-          </a:p>
-          <a:p>
-            <a:pPr marL="0" indent="0">
-              <a:buNone/>
-            </a:pPr>
-            <a:r>
-              <a:rPr lang="ja-JP" altLang="en-US" dirty="0"/>
-              <a:t>・その他</a:t>
-            </a:r>
-            <a:endParaRPr lang="en-US" altLang="ja-JP" dirty="0"/>
-          </a:p>
-          <a:p>
-            <a:pPr marL="0" indent="0">
-              <a:buNone/>
-            </a:pPr>
-            <a:r>
-              <a:rPr lang="ja-JP" altLang="en-US" dirty="0"/>
-              <a:t>これらでランダム要素を組み込める奴はなるべく実装させる。</a:t>
-            </a:r>
             <a:endParaRPr lang="en-US" altLang="ja-JP" dirty="0"/>
           </a:p>
         </p:txBody>

--- a/3DLv2_2023_vs2019_Game/Plan/超開王企画書.pptx
+++ b/3DLv2_2023_vs2019_Game/Plan/超開王企画書.pptx
@@ -264,7 +264,7 @@
           <a:p>
             <a:fld id="{78D5D3E3-4E9A-47BC-9788-F490A4A1AE4B}" type="datetimeFigureOut">
               <a:rPr kumimoji="1" lang="ja-JP" altLang="en-US" smtClean="0"/>
-              <a:t>2023/7/27</a:t>
+              <a:t>2023/7/28</a:t>
             </a:fld>
             <a:endParaRPr kumimoji="1" lang="ja-JP" altLang="en-US"/>
           </a:p>
@@ -494,7 +494,7 @@
           <a:p>
             <a:fld id="{78D5D3E3-4E9A-47BC-9788-F490A4A1AE4B}" type="datetimeFigureOut">
               <a:rPr kumimoji="1" lang="ja-JP" altLang="en-US" smtClean="0"/>
-              <a:t>2023/7/27</a:t>
+              <a:t>2023/7/28</a:t>
             </a:fld>
             <a:endParaRPr kumimoji="1" lang="ja-JP" altLang="en-US"/>
           </a:p>
@@ -734,7 +734,7 @@
           <a:p>
             <a:fld id="{78D5D3E3-4E9A-47BC-9788-F490A4A1AE4B}" type="datetimeFigureOut">
               <a:rPr kumimoji="1" lang="ja-JP" altLang="en-US" smtClean="0"/>
-              <a:t>2023/7/27</a:t>
+              <a:t>2023/7/28</a:t>
             </a:fld>
             <a:endParaRPr kumimoji="1" lang="ja-JP" altLang="en-US"/>
           </a:p>
@@ -964,7 +964,7 @@
           <a:p>
             <a:fld id="{78D5D3E3-4E9A-47BC-9788-F490A4A1AE4B}" type="datetimeFigureOut">
               <a:rPr kumimoji="1" lang="ja-JP" altLang="en-US" smtClean="0"/>
-              <a:t>2023/7/27</a:t>
+              <a:t>2023/7/28</a:t>
             </a:fld>
             <a:endParaRPr kumimoji="1" lang="ja-JP" altLang="en-US"/>
           </a:p>
@@ -1239,7 +1239,7 @@
           <a:p>
             <a:fld id="{78D5D3E3-4E9A-47BC-9788-F490A4A1AE4B}" type="datetimeFigureOut">
               <a:rPr kumimoji="1" lang="ja-JP" altLang="en-US" smtClean="0"/>
-              <a:t>2023/7/27</a:t>
+              <a:t>2023/7/28</a:t>
             </a:fld>
             <a:endParaRPr kumimoji="1" lang="ja-JP" altLang="en-US"/>
           </a:p>
@@ -1568,7 +1568,7 @@
           <a:p>
             <a:fld id="{78D5D3E3-4E9A-47BC-9788-F490A4A1AE4B}" type="datetimeFigureOut">
               <a:rPr kumimoji="1" lang="ja-JP" altLang="en-US" smtClean="0"/>
-              <a:t>2023/7/27</a:t>
+              <a:t>2023/7/28</a:t>
             </a:fld>
             <a:endParaRPr kumimoji="1" lang="ja-JP" altLang="en-US"/>
           </a:p>
@@ -2044,7 +2044,7 @@
           <a:p>
             <a:fld id="{78D5D3E3-4E9A-47BC-9788-F490A4A1AE4B}" type="datetimeFigureOut">
               <a:rPr kumimoji="1" lang="ja-JP" altLang="en-US" smtClean="0"/>
-              <a:t>2023/7/27</a:t>
+              <a:t>2023/7/28</a:t>
             </a:fld>
             <a:endParaRPr kumimoji="1" lang="ja-JP" altLang="en-US"/>
           </a:p>
@@ -2185,7 +2185,7 @@
           <a:p>
             <a:fld id="{78D5D3E3-4E9A-47BC-9788-F490A4A1AE4B}" type="datetimeFigureOut">
               <a:rPr kumimoji="1" lang="ja-JP" altLang="en-US" smtClean="0"/>
-              <a:t>2023/7/27</a:t>
+              <a:t>2023/7/28</a:t>
             </a:fld>
             <a:endParaRPr kumimoji="1" lang="ja-JP" altLang="en-US"/>
           </a:p>
@@ -2298,7 +2298,7 @@
           <a:p>
             <a:fld id="{78D5D3E3-4E9A-47BC-9788-F490A4A1AE4B}" type="datetimeFigureOut">
               <a:rPr kumimoji="1" lang="ja-JP" altLang="en-US" smtClean="0"/>
-              <a:t>2023/7/27</a:t>
+              <a:t>2023/7/28</a:t>
             </a:fld>
             <a:endParaRPr kumimoji="1" lang="ja-JP" altLang="en-US"/>
           </a:p>
@@ -2641,7 +2641,7 @@
           <a:p>
             <a:fld id="{78D5D3E3-4E9A-47BC-9788-F490A4A1AE4B}" type="datetimeFigureOut">
               <a:rPr kumimoji="1" lang="ja-JP" altLang="en-US" smtClean="0"/>
-              <a:t>2023/7/27</a:t>
+              <a:t>2023/7/28</a:t>
             </a:fld>
             <a:endParaRPr kumimoji="1" lang="ja-JP" altLang="en-US"/>
           </a:p>
@@ -2929,7 +2929,7 @@
           <a:p>
             <a:fld id="{78D5D3E3-4E9A-47BC-9788-F490A4A1AE4B}" type="datetimeFigureOut">
               <a:rPr kumimoji="1" lang="ja-JP" altLang="en-US" smtClean="0"/>
-              <a:t>2023/7/27</a:t>
+              <a:t>2023/7/28</a:t>
             </a:fld>
             <a:endParaRPr kumimoji="1" lang="ja-JP" altLang="en-US"/>
           </a:p>
@@ -3202,7 +3202,7 @@
           <a:p>
             <a:fld id="{78D5D3E3-4E9A-47BC-9788-F490A4A1AE4B}" type="datetimeFigureOut">
               <a:rPr kumimoji="1" lang="ja-JP" altLang="en-US" smtClean="0"/>
-              <a:t>2023/7/27</a:t>
+              <a:t>2023/7/28</a:t>
             </a:fld>
             <a:endParaRPr kumimoji="1" lang="ja-JP" altLang="en-US"/>
           </a:p>
@@ -4429,6 +4429,36 @@
             <a:pPr marL="0" indent="0">
               <a:buNone/>
             </a:pPr>
+            <a:r>
+              <a:rPr lang="ja-JP" altLang="en-US" dirty="0"/>
+              <a:t>難しかった所</a:t>
+            </a:r>
+            <a:endParaRPr lang="en-US" altLang="ja-JP" dirty="0"/>
+          </a:p>
+          <a:p>
+            <a:pPr marL="0" indent="0">
+              <a:buNone/>
+            </a:pPr>
+            <a:r>
+              <a:rPr lang="ja-JP" altLang="en-US" dirty="0"/>
+              <a:t>ゲームの難易度調整</a:t>
+            </a:r>
+            <a:endParaRPr lang="en-US" altLang="ja-JP" dirty="0"/>
+          </a:p>
+          <a:p>
+            <a:pPr marL="0" indent="0">
+              <a:buNone/>
+            </a:pPr>
+            <a:r>
+              <a:rPr lang="ja-JP" altLang="en-US" dirty="0"/>
+              <a:t>タスク関連のプログラム</a:t>
+            </a:r>
+            <a:endParaRPr lang="en-US" altLang="ja-JP" dirty="0"/>
+          </a:p>
+          <a:p>
+            <a:pPr marL="0" indent="0">
+              <a:buNone/>
+            </a:pPr>
             <a:endParaRPr lang="en-US" altLang="ja-JP" dirty="0"/>
           </a:p>
         </p:txBody>
